--- a/docs/Aplicație traducere.pptx
+++ b/docs/Aplicație traducere.pptx
@@ -11220,13 +11220,13 @@
   <p:clrMapOvr>
     <a:masterClrMapping/>
   </p:clrMapOvr>
-  <mc:AlternateContent xmlns:mc="http://schemas.openxmlformats.org/markup-compatibility/2006">
-    <mc:Choice xmlns:p14="http://schemas.microsoft.com/office/powerpoint/2010/main" Requires="p14">
+  <mc:AlternateContent xmlns:mc="http://schemas.openxmlformats.org/markup-compatibility/2006" xmlns:p14="http://schemas.microsoft.com/office/powerpoint/2010/main">
+    <mc:Choice Requires="p14">
       <p:transition spd="med" p14:dur="700">
         <p:fade/>
       </p:transition>
     </mc:Choice>
-    <mc:Fallback>
+    <mc:Fallback xmlns="">
       <p:transition spd="med">
         <p:fade/>
       </p:transition>
@@ -12323,13 +12323,13 @@
   <p:clrMapOvr>
     <a:masterClrMapping/>
   </p:clrMapOvr>
-  <mc:AlternateContent xmlns:mc="http://schemas.openxmlformats.org/markup-compatibility/2006">
-    <mc:Choice xmlns:p159="http://schemas.microsoft.com/office/powerpoint/2015/09/main" Requires="p159">
+  <mc:AlternateContent xmlns:mc="http://schemas.openxmlformats.org/markup-compatibility/2006" xmlns:p159="http://schemas.microsoft.com/office/powerpoint/2015/09/main">
+    <mc:Choice Requires="p159">
       <p:transition xmlns:p14="http://schemas.microsoft.com/office/powerpoint/2010/main" spd="slow" p14:dur="2000">
         <p159:morph option="byObject"/>
       </p:transition>
     </mc:Choice>
-    <mc:Fallback>
+    <mc:Fallback xmlns="">
       <p:transition spd="slow">
         <p:fade/>
       </p:transition>
@@ -13426,13 +13426,13 @@
   <p:clrMapOvr>
     <a:masterClrMapping/>
   </p:clrMapOvr>
-  <mc:AlternateContent xmlns:mc="http://schemas.openxmlformats.org/markup-compatibility/2006">
-    <mc:Choice xmlns:p159="http://schemas.microsoft.com/office/powerpoint/2015/09/main" Requires="p159">
+  <mc:AlternateContent xmlns:mc="http://schemas.openxmlformats.org/markup-compatibility/2006" xmlns:p159="http://schemas.microsoft.com/office/powerpoint/2015/09/main">
+    <mc:Choice Requires="p159">
       <p:transition xmlns:p14="http://schemas.microsoft.com/office/powerpoint/2010/main" spd="slow" p14:dur="2000">
         <p159:morph option="byObject"/>
       </p:transition>
     </mc:Choice>
-    <mc:Fallback>
+    <mc:Fallback xmlns="">
       <p:transition spd="slow">
         <p:fade/>
       </p:transition>
@@ -14431,13 +14431,13 @@
   <p:clrMapOvr>
     <a:masterClrMapping/>
   </p:clrMapOvr>
-  <mc:AlternateContent xmlns:mc="http://schemas.openxmlformats.org/markup-compatibility/2006">
-    <mc:Choice xmlns:p159="http://schemas.microsoft.com/office/powerpoint/2015/09/main" Requires="p159">
+  <mc:AlternateContent xmlns:mc="http://schemas.openxmlformats.org/markup-compatibility/2006" xmlns:p159="http://schemas.microsoft.com/office/powerpoint/2015/09/main">
+    <mc:Choice Requires="p159">
       <p:transition xmlns:p14="http://schemas.microsoft.com/office/powerpoint/2010/main" spd="slow" p14:dur="2000">
         <p159:morph option="byObject"/>
       </p:transition>
     </mc:Choice>
-    <mc:Fallback>
+    <mc:Fallback xmlns="">
       <p:transition spd="slow">
         <p:fade/>
       </p:transition>
@@ -15110,7 +15110,23 @@
                   <a:schemeClr val="bg1"/>
                 </a:solidFill>
               </a:rPr>
-              <a:t>M2M100 </a:t>
+              <a:t>M</a:t>
+            </a:r>
+            <a:r>
+              <a:rPr lang="ro-RO" dirty="0">
+                <a:solidFill>
+                  <a:schemeClr val="bg1"/>
+                </a:solidFill>
+              </a:rPr>
+              <a:t>odelul</a:t>
+            </a:r>
+            <a:r>
+              <a:rPr lang="en-US" dirty="0">
+                <a:solidFill>
+                  <a:schemeClr val="bg1"/>
+                </a:solidFill>
+              </a:rPr>
+              <a:t> </a:t>
             </a:r>
             <a:r>
               <a:rPr lang="en-US" dirty="0" err="1">
@@ -15576,13 +15592,13 @@
   <p:clrMapOvr>
     <a:masterClrMapping/>
   </p:clrMapOvr>
-  <mc:AlternateContent xmlns:mc="http://schemas.openxmlformats.org/markup-compatibility/2006">
-    <mc:Choice xmlns:p14="http://schemas.microsoft.com/office/powerpoint/2010/main" Requires="p14">
+  <mc:AlternateContent xmlns:mc="http://schemas.openxmlformats.org/markup-compatibility/2006" xmlns:p14="http://schemas.microsoft.com/office/powerpoint/2010/main">
+    <mc:Choice Requires="p14">
       <p:transition spd="slow" p14:dur="800">
         <p14:flythrough/>
       </p:transition>
     </mc:Choice>
-    <mc:Fallback>
+    <mc:Fallback xmlns="">
       <p:transition spd="slow">
         <p:fade/>
       </p:transition>
@@ -15887,13 +15903,13 @@
   <p:clrMapOvr>
     <a:masterClrMapping/>
   </p:clrMapOvr>
-  <mc:AlternateContent xmlns:mc="http://schemas.openxmlformats.org/markup-compatibility/2006">
-    <mc:Choice xmlns:p159="http://schemas.microsoft.com/office/powerpoint/2015/09/main" Requires="p159">
+  <mc:AlternateContent xmlns:mc="http://schemas.openxmlformats.org/markup-compatibility/2006" xmlns:p159="http://schemas.microsoft.com/office/powerpoint/2015/09/main">
+    <mc:Choice Requires="p159">
       <p:transition xmlns:p14="http://schemas.microsoft.com/office/powerpoint/2010/main" spd="slow" p14:dur="2000">
         <p159:morph option="byObject"/>
       </p:transition>
     </mc:Choice>
-    <mc:Fallback>
+    <mc:Fallback xmlns="">
       <p:transition spd="slow">
         <p:fade/>
       </p:transition>
@@ -16204,13 +16220,13 @@
   <p:clrMapOvr>
     <a:masterClrMapping/>
   </p:clrMapOvr>
-  <mc:AlternateContent xmlns:mc="http://schemas.openxmlformats.org/markup-compatibility/2006">
-    <mc:Choice xmlns:p159="http://schemas.microsoft.com/office/powerpoint/2015/09/main" Requires="p159">
+  <mc:AlternateContent xmlns:mc="http://schemas.openxmlformats.org/markup-compatibility/2006" xmlns:p159="http://schemas.microsoft.com/office/powerpoint/2015/09/main">
+    <mc:Choice Requires="p159">
       <p:transition xmlns:p14="http://schemas.microsoft.com/office/powerpoint/2010/main" spd="slow" p14:dur="2000">
         <p159:morph option="byObject"/>
       </p:transition>
     </mc:Choice>
-    <mc:Fallback>
+    <mc:Fallback xmlns="">
       <p:transition spd="slow">
         <p:fade/>
       </p:transition>
@@ -16703,13 +16719,13 @@
   <p:clrMapOvr>
     <a:masterClrMapping/>
   </p:clrMapOvr>
-  <mc:AlternateContent xmlns:mc="http://schemas.openxmlformats.org/markup-compatibility/2006">
-    <mc:Choice xmlns:p159="http://schemas.microsoft.com/office/powerpoint/2015/09/main" Requires="p159">
+  <mc:AlternateContent xmlns:mc="http://schemas.openxmlformats.org/markup-compatibility/2006" xmlns:p159="http://schemas.microsoft.com/office/powerpoint/2015/09/main">
+    <mc:Choice Requires="p159">
       <p:transition xmlns:p14="http://schemas.microsoft.com/office/powerpoint/2010/main" spd="slow" p14:dur="2000">
         <p159:morph option="byObject"/>
       </p:transition>
     </mc:Choice>
-    <mc:Fallback>
+    <mc:Fallback xmlns="">
       <p:transition spd="slow">
         <p:fade/>
       </p:transition>
@@ -17208,13 +17224,13 @@
   <p:clrMapOvr>
     <a:masterClrMapping/>
   </p:clrMapOvr>
-  <mc:AlternateContent xmlns:mc="http://schemas.openxmlformats.org/markup-compatibility/2006">
-    <mc:Choice xmlns:p159="http://schemas.microsoft.com/office/powerpoint/2015/09/main" Requires="p159">
+  <mc:AlternateContent xmlns:mc="http://schemas.openxmlformats.org/markup-compatibility/2006" xmlns:p159="http://schemas.microsoft.com/office/powerpoint/2015/09/main">
+    <mc:Choice Requires="p159">
       <p:transition xmlns:p14="http://schemas.microsoft.com/office/powerpoint/2010/main" spd="slow" p14:dur="2000">
         <p159:morph option="byObject"/>
       </p:transition>
     </mc:Choice>
-    <mc:Fallback>
+    <mc:Fallback xmlns="">
       <p:transition spd="slow">
         <p:fade/>
       </p:transition>
@@ -17393,13 +17409,13 @@
   <p:clrMapOvr>
     <a:masterClrMapping/>
   </p:clrMapOvr>
-  <mc:AlternateContent xmlns:mc="http://schemas.openxmlformats.org/markup-compatibility/2006">
-    <mc:Choice xmlns:p159="http://schemas.microsoft.com/office/powerpoint/2015/09/main" Requires="p159">
+  <mc:AlternateContent xmlns:mc="http://schemas.openxmlformats.org/markup-compatibility/2006" xmlns:p159="http://schemas.microsoft.com/office/powerpoint/2015/09/main">
+    <mc:Choice Requires="p159">
       <p:transition xmlns:p14="http://schemas.microsoft.com/office/powerpoint/2010/main" spd="slow" p14:dur="2000">
         <p159:morph option="byObject"/>
       </p:transition>
     </mc:Choice>
-    <mc:Fallback>
+    <mc:Fallback xmlns="">
       <p:transition spd="slow">
         <p:fade/>
       </p:transition>
@@ -17584,13 +17600,13 @@
   <p:clrMapOvr>
     <a:masterClrMapping/>
   </p:clrMapOvr>
-  <mc:AlternateContent xmlns:mc="http://schemas.openxmlformats.org/markup-compatibility/2006">
-    <mc:Choice xmlns:p159="http://schemas.microsoft.com/office/powerpoint/2015/09/main" Requires="p159">
+  <mc:AlternateContent xmlns:mc="http://schemas.openxmlformats.org/markup-compatibility/2006" xmlns:p159="http://schemas.microsoft.com/office/powerpoint/2015/09/main">
+    <mc:Choice Requires="p159">
       <p:transition xmlns:p14="http://schemas.microsoft.com/office/powerpoint/2010/main" spd="slow" p14:dur="2000">
         <p159:morph option="byObject"/>
       </p:transition>
     </mc:Choice>
-    <mc:Fallback>
+    <mc:Fallback xmlns="">
       <p:transition spd="slow">
         <p:fade/>
       </p:transition>
@@ -18024,13 +18040,13 @@
   <p:clrMapOvr>
     <a:masterClrMapping/>
   </p:clrMapOvr>
-  <mc:AlternateContent xmlns:mc="http://schemas.openxmlformats.org/markup-compatibility/2006">
-    <mc:Choice xmlns:p159="http://schemas.microsoft.com/office/powerpoint/2015/09/main" Requires="p159">
+  <mc:AlternateContent xmlns:mc="http://schemas.openxmlformats.org/markup-compatibility/2006" xmlns:p159="http://schemas.microsoft.com/office/powerpoint/2015/09/main">
+    <mc:Choice Requires="p159">
       <p:transition xmlns:p14="http://schemas.microsoft.com/office/powerpoint/2010/main" spd="slow" p14:dur="2000">
         <p159:morph option="byObject"/>
       </p:transition>
     </mc:Choice>
-    <mc:Fallback>
+    <mc:Fallback xmlns="">
       <p:transition spd="slow">
         <p:fade/>
       </p:transition>
@@ -18464,13 +18480,13 @@
   <p:clrMapOvr>
     <a:masterClrMapping/>
   </p:clrMapOvr>
-  <mc:AlternateContent xmlns:mc="http://schemas.openxmlformats.org/markup-compatibility/2006">
-    <mc:Choice xmlns:p159="http://schemas.microsoft.com/office/powerpoint/2015/09/main" Requires="p159">
+  <mc:AlternateContent xmlns:mc="http://schemas.openxmlformats.org/markup-compatibility/2006" xmlns:p159="http://schemas.microsoft.com/office/powerpoint/2015/09/main">
+    <mc:Choice Requires="p159">
       <p:transition xmlns:p14="http://schemas.microsoft.com/office/powerpoint/2010/main" spd="slow" p14:dur="2000">
         <p159:morph option="byObject"/>
       </p:transition>
     </mc:Choice>
-    <mc:Fallback>
+    <mc:Fallback xmlns="">
       <p:transition spd="slow">
         <p:fade/>
       </p:transition>
@@ -19291,35 +19307,6 @@
 </file>
 
 <file path=customXml/item1.xml><?xml version="1.0" encoding="utf-8"?>
-<?mso-contentType ?>
-<FormTemplates xmlns="http://schemas.microsoft.com/sharepoint/v3/contenttype/forms">
-  <Display>DocumentLibraryForm</Display>
-  <Edit>DocumentLibraryForm</Edit>
-  <New>DocumentLibraryForm</New>
-</FormTemplates>
-</file>
-
-<file path=customXml/item2.xml><?xml version="1.0" encoding="utf-8"?>
-<p:properties xmlns:p="http://schemas.microsoft.com/office/2006/metadata/properties" xmlns:xsi="http://www.w3.org/2001/XMLSchema-instance" xmlns:pc="http://schemas.microsoft.com/office/infopath/2007/PartnerControls">
-  <documentManagement>
-    <_ip_UnifiedCompliancePolicyUIAction xmlns="http://schemas.microsoft.com/sharepoint/v3" xsi:nil="true"/>
-    <Image xmlns="71af3243-3dd4-4a8d-8c0d-dd76da1f02a5">
-      <Url xsi:nil="true"/>
-      <Description xsi:nil="true"/>
-    </Image>
-    <Status xmlns="71af3243-3dd4-4a8d-8c0d-dd76da1f02a5">Not started</Status>
-    <Background xmlns="71af3243-3dd4-4a8d-8c0d-dd76da1f02a5">false</Background>
-    <_ip_UnifiedCompliancePolicyProperties xmlns="http://schemas.microsoft.com/sharepoint/v3" xsi:nil="true"/>
-    <ImageTagsTaxHTField xmlns="71af3243-3dd4-4a8d-8c0d-dd76da1f02a5">
-      <Terms xmlns="http://schemas.microsoft.com/office/infopath/2007/PartnerControls"/>
-    </ImageTagsTaxHTField>
-    <TaxCatchAll xmlns="230e9df3-be65-4c73-a93b-d1236ebd677e" xsi:nil="true"/>
-    <MediaServiceKeyPoints xmlns="71af3243-3dd4-4a8d-8c0d-dd76da1f02a5" xsi:nil="true"/>
-  </documentManagement>
-</p:properties>
-</file>
-
-<file path=customXml/item3.xml><?xml version="1.0" encoding="utf-8"?>
 <ct:contentTypeSchema xmlns:ct="http://schemas.microsoft.com/office/2006/metadata/contentType" xmlns:ma="http://schemas.microsoft.com/office/2006/metadata/properties/metaAttributes" ct:_="" ma:_="" ma:contentTypeName="Document" ma:contentTypeID="0x01010079F111ED35F8CC479449609E8A0923A6" ma:contentTypeVersion="28" ma:contentTypeDescription="Create a new document." ma:contentTypeScope="" ma:versionID="60f5a4f2d2b0abadcf532d48ebf9cb71">
   <xsd:schema xmlns:xsd="http://www.w3.org/2001/XMLSchema" xmlns:xs="http://www.w3.org/2001/XMLSchema" xmlns:p="http://schemas.microsoft.com/office/2006/metadata/properties" xmlns:ns1="http://schemas.microsoft.com/sharepoint/v3" xmlns:ns2="71af3243-3dd4-4a8d-8c0d-dd76da1f02a5" xmlns:ns3="16c05727-aa75-4e4a-9b5f-8a80a1165891" xmlns:ns4="230e9df3-be65-4c73-a93b-d1236ebd677e" targetNamespace="http://schemas.microsoft.com/office/2006/metadata/properties" ma:root="true" ma:fieldsID="7dd78129e6a1811f84807ad11c651531" ns1:_="" ns2:_="" ns3:_="" ns4:_="">
     <xsd:import namespace="http://schemas.microsoft.com/sharepoint/v3"/>
@@ -19631,27 +19618,36 @@
 </ct:contentTypeSchema>
 </file>
 
-<file path=customXml/itemProps1.xml><?xml version="1.0" encoding="utf-8"?>
-<ds:datastoreItem xmlns:ds="http://schemas.openxmlformats.org/officeDocument/2006/customXml" ds:itemID="{44137456-21FC-4AE2-8A94-BF06CAF2EB9B}">
-  <ds:schemaRefs>
-    <ds:schemaRef ds:uri="http://schemas.microsoft.com/sharepoint/v3/contenttype/forms"/>
-  </ds:schemaRefs>
-</ds:datastoreItem>
+<file path=customXml/item2.xml><?xml version="1.0" encoding="utf-8"?>
+<p:properties xmlns:p="http://schemas.microsoft.com/office/2006/metadata/properties" xmlns:xsi="http://www.w3.org/2001/XMLSchema-instance" xmlns:pc="http://schemas.microsoft.com/office/infopath/2007/PartnerControls">
+  <documentManagement>
+    <_ip_UnifiedCompliancePolicyUIAction xmlns="http://schemas.microsoft.com/sharepoint/v3" xsi:nil="true"/>
+    <Image xmlns="71af3243-3dd4-4a8d-8c0d-dd76da1f02a5">
+      <Url xsi:nil="true"/>
+      <Description xsi:nil="true"/>
+    </Image>
+    <Status xmlns="71af3243-3dd4-4a8d-8c0d-dd76da1f02a5">Not started</Status>
+    <Background xmlns="71af3243-3dd4-4a8d-8c0d-dd76da1f02a5">false</Background>
+    <_ip_UnifiedCompliancePolicyProperties xmlns="http://schemas.microsoft.com/sharepoint/v3" xsi:nil="true"/>
+    <ImageTagsTaxHTField xmlns="71af3243-3dd4-4a8d-8c0d-dd76da1f02a5">
+      <Terms xmlns="http://schemas.microsoft.com/office/infopath/2007/PartnerControls"/>
+    </ImageTagsTaxHTField>
+    <TaxCatchAll xmlns="230e9df3-be65-4c73-a93b-d1236ebd677e" xsi:nil="true"/>
+    <MediaServiceKeyPoints xmlns="71af3243-3dd4-4a8d-8c0d-dd76da1f02a5" xsi:nil="true"/>
+  </documentManagement>
+</p:properties>
 </file>
 
-<file path=customXml/itemProps2.xml><?xml version="1.0" encoding="utf-8"?>
-<ds:datastoreItem xmlns:ds="http://schemas.openxmlformats.org/officeDocument/2006/customXml" ds:itemID="{E305301E-11B3-4B9D-A588-21F3C9809371}">
-  <ds:schemaRefs>
-    <ds:schemaRef ds:uri="http://schemas.microsoft.com/office/2006/metadata/properties"/>
-    <ds:schemaRef ds:uri="http://schemas.microsoft.com/office/infopath/2007/PartnerControls"/>
-    <ds:schemaRef ds:uri="http://schemas.microsoft.com/sharepoint/v3"/>
-    <ds:schemaRef ds:uri="71af3243-3dd4-4a8d-8c0d-dd76da1f02a5"/>
-    <ds:schemaRef ds:uri="230e9df3-be65-4c73-a93b-d1236ebd677e"/>
-  </ds:schemaRefs>
-</ds:datastoreItem>
+<file path=customXml/item3.xml><?xml version="1.0" encoding="utf-8"?>
+<?mso-contentType ?>
+<FormTemplates xmlns="http://schemas.microsoft.com/sharepoint/v3/contenttype/forms">
+  <Display>DocumentLibraryForm</Display>
+  <Edit>DocumentLibraryForm</Edit>
+  <New>DocumentLibraryForm</New>
+</FormTemplates>
 </file>
 
-<file path=customXml/itemProps3.xml><?xml version="1.0" encoding="utf-8"?>
+<file path=customXml/itemProps1.xml><?xml version="1.0" encoding="utf-8"?>
 <ds:datastoreItem xmlns:ds="http://schemas.openxmlformats.org/officeDocument/2006/customXml" ds:itemID="{C77B561B-3A65-4A22-9691-EB838E7F9B87}">
   <ds:schemaRefs>
     <ds:schemaRef ds:uri="http://schemas.microsoft.com/office/2006/metadata/contentType"/>
@@ -19672,6 +19668,26 @@
 </ds:datastoreItem>
 </file>
 
+<file path=customXml/itemProps2.xml><?xml version="1.0" encoding="utf-8"?>
+<ds:datastoreItem xmlns:ds="http://schemas.openxmlformats.org/officeDocument/2006/customXml" ds:itemID="{E305301E-11B3-4B9D-A588-21F3C9809371}">
+  <ds:schemaRefs>
+    <ds:schemaRef ds:uri="http://schemas.microsoft.com/office/2006/metadata/properties"/>
+    <ds:schemaRef ds:uri="http://schemas.microsoft.com/office/infopath/2007/PartnerControls"/>
+    <ds:schemaRef ds:uri="http://schemas.microsoft.com/sharepoint/v3"/>
+    <ds:schemaRef ds:uri="71af3243-3dd4-4a8d-8c0d-dd76da1f02a5"/>
+    <ds:schemaRef ds:uri="230e9df3-be65-4c73-a93b-d1236ebd677e"/>
+  </ds:schemaRefs>
+</ds:datastoreItem>
+</file>
+
+<file path=customXml/itemProps3.xml><?xml version="1.0" encoding="utf-8"?>
+<ds:datastoreItem xmlns:ds="http://schemas.openxmlformats.org/officeDocument/2006/customXml" ds:itemID="{44137456-21FC-4AE2-8A94-BF06CAF2EB9B}">
+  <ds:schemaRefs>
+    <ds:schemaRef ds:uri="http://schemas.microsoft.com/sharepoint/v3/contenttype/forms"/>
+  </ds:schemaRefs>
+</ds:datastoreItem>
+</file>
+
 <file path=docMetadata/LabelInfo.xml><?xml version="1.0" encoding="utf-8"?>
 <clbl:labelList xmlns:clbl="http://schemas.microsoft.com/office/2020/mipLabelMetadata"/>
 </file>
--- a/docs/Aplicație traducere.pptx
+++ b/docs/Aplicație traducere.pptx
@@ -12470,7 +12470,7 @@
         <p:spPr>
           <a:xfrm>
             <a:off x="6470121" y="865370"/>
-            <a:ext cx="3378041" cy="369332"/>
+            <a:ext cx="3144579" cy="369332"/>
           </a:xfrm>
           <a:prstGeom prst="rect">
             <a:avLst/>
@@ -12488,6 +12488,7 @@
                 <a:solidFill>
                   <a:schemeClr val="bg1"/>
                 </a:solidFill>
+                <a:latin typeface="Corbel" panose="020B0503020204020204" pitchFamily="34" charset="0"/>
               </a:rPr>
               <a:t>4</a:t>
             </a:r>
@@ -12496,6 +12497,7 @@
                 <a:solidFill>
                   <a:schemeClr val="bg1"/>
                 </a:solidFill>
+                <a:latin typeface="Corbel" panose="020B0503020204020204" pitchFamily="34" charset="0"/>
               </a:rPr>
               <a:t>.  </a:t>
             </a:r>
@@ -12504,6 +12506,7 @@
                 <a:solidFill>
                   <a:schemeClr val="bg1"/>
                 </a:solidFill>
+                <a:latin typeface="Corbel" panose="020B0503020204020204" pitchFamily="34" charset="0"/>
               </a:rPr>
               <a:t>Mecanismul</a:t>
             </a:r>
@@ -12512,6 +12515,7 @@
                 <a:solidFill>
                   <a:schemeClr val="bg1"/>
                 </a:solidFill>
+                <a:latin typeface="Corbel" panose="020B0503020204020204" pitchFamily="34" charset="0"/>
               </a:rPr>
               <a:t> Self-Attention</a:t>
             </a:r>
@@ -12519,6 +12523,7 @@
               <a:solidFill>
                 <a:schemeClr val="bg1"/>
               </a:solidFill>
+              <a:latin typeface="Corbel" panose="020B0503020204020204" pitchFamily="34" charset="0"/>
             </a:endParaRPr>
           </a:p>
         </p:txBody>
@@ -12538,7 +12543,7 @@
         <p:spPr>
           <a:xfrm>
             <a:off x="1997802" y="3958990"/>
-            <a:ext cx="2159887" cy="369332"/>
+            <a:ext cx="1983813" cy="369332"/>
           </a:xfrm>
           <a:prstGeom prst="rect">
             <a:avLst/>
@@ -12556,6 +12561,7 @@
                 <a:solidFill>
                   <a:schemeClr val="bg1"/>
                 </a:solidFill>
+                <a:latin typeface="Corbel" panose="020B0503020204020204" pitchFamily="34" charset="0"/>
               </a:rPr>
               <a:t>5.  </a:t>
             </a:r>
@@ -12564,6 +12570,7 @@
                 <a:solidFill>
                   <a:schemeClr val="bg1"/>
                 </a:solidFill>
+                <a:latin typeface="Corbel" panose="020B0503020204020204" pitchFamily="34" charset="0"/>
               </a:rPr>
               <a:t>Controlul</a:t>
             </a:r>
@@ -12572,6 +12579,7 @@
                 <a:solidFill>
                   <a:schemeClr val="bg1"/>
                 </a:solidFill>
+                <a:latin typeface="Corbel" panose="020B0503020204020204" pitchFamily="34" charset="0"/>
               </a:rPr>
               <a:t> </a:t>
             </a:r>
@@ -12580,6 +12588,7 @@
                 <a:solidFill>
                   <a:schemeClr val="bg1"/>
                 </a:solidFill>
+                <a:latin typeface="Corbel" panose="020B0503020204020204" pitchFamily="34" charset="0"/>
               </a:rPr>
               <a:t>limbii</a:t>
             </a:r>
@@ -12587,6 +12596,7 @@
               <a:solidFill>
                 <a:schemeClr val="bg1"/>
               </a:solidFill>
+              <a:latin typeface="Corbel" panose="020B0503020204020204" pitchFamily="34" charset="0"/>
             </a:endParaRPr>
           </a:p>
         </p:txBody>
@@ -12606,7 +12616,7 @@
         <p:spPr>
           <a:xfrm>
             <a:off x="5458968" y="1302687"/>
-            <a:ext cx="5943577" cy="2720553"/>
+            <a:ext cx="5943577" cy="2396938"/>
           </a:xfrm>
           <a:prstGeom prst="rect">
             <a:avLst/>
@@ -12629,6 +12639,7 @@
                 <a:solidFill>
                   <a:schemeClr val="bg1"/>
                 </a:solidFill>
+                <a:latin typeface="Corbel" panose="020B0503020204020204" pitchFamily="34" charset="0"/>
               </a:rPr>
               <a:t>    Self-attention </a:t>
             </a:r>
@@ -12637,6 +12648,7 @@
                 <a:solidFill>
                   <a:schemeClr val="bg1"/>
                 </a:solidFill>
+                <a:latin typeface="Corbel" panose="020B0503020204020204" pitchFamily="34" charset="0"/>
               </a:rPr>
               <a:t>permite</a:t>
             </a:r>
@@ -12645,6 +12657,7 @@
                 <a:solidFill>
                   <a:schemeClr val="bg1"/>
                 </a:solidFill>
+                <a:latin typeface="Corbel" panose="020B0503020204020204" pitchFamily="34" charset="0"/>
               </a:rPr>
               <a:t> </a:t>
             </a:r>
@@ -12653,6 +12666,7 @@
                 <a:solidFill>
                   <a:schemeClr val="bg1"/>
                 </a:solidFill>
+                <a:latin typeface="Corbel" panose="020B0503020204020204" pitchFamily="34" charset="0"/>
               </a:rPr>
               <a:t>fiecărui</a:t>
             </a:r>
@@ -12661,6 +12675,7 @@
                 <a:solidFill>
                   <a:schemeClr val="bg1"/>
                 </a:solidFill>
+                <a:latin typeface="Corbel" panose="020B0503020204020204" pitchFamily="34" charset="0"/>
               </a:rPr>
               <a:t> </a:t>
             </a:r>
@@ -12669,6 +12684,7 @@
                 <a:solidFill>
                   <a:schemeClr val="bg1"/>
                 </a:solidFill>
+                <a:latin typeface="Corbel" panose="020B0503020204020204" pitchFamily="34" charset="0"/>
               </a:rPr>
               <a:t>cuvânt</a:t>
             </a:r>
@@ -12677,6 +12693,7 @@
                 <a:solidFill>
                   <a:schemeClr val="bg1"/>
                 </a:solidFill>
+                <a:latin typeface="Corbel" panose="020B0503020204020204" pitchFamily="34" charset="0"/>
               </a:rPr>
               <a:t> </a:t>
             </a:r>
@@ -12685,6 +12702,7 @@
                 <a:solidFill>
                   <a:schemeClr val="bg1"/>
                 </a:solidFill>
+                <a:latin typeface="Corbel" panose="020B0503020204020204" pitchFamily="34" charset="0"/>
               </a:rPr>
               <a:t>să</a:t>
             </a:r>
@@ -12693,6 +12711,7 @@
                 <a:solidFill>
                   <a:schemeClr val="bg1"/>
                 </a:solidFill>
+                <a:latin typeface="Corbel" panose="020B0503020204020204" pitchFamily="34" charset="0"/>
               </a:rPr>
               <a:t> </a:t>
             </a:r>
@@ -12701,6 +12720,7 @@
                 <a:solidFill>
                   <a:schemeClr val="bg1"/>
                 </a:solidFill>
+                <a:latin typeface="Corbel" panose="020B0503020204020204" pitchFamily="34" charset="0"/>
               </a:rPr>
               <a:t>țină</a:t>
             </a:r>
@@ -12709,6 +12729,7 @@
                 <a:solidFill>
                   <a:schemeClr val="bg1"/>
                 </a:solidFill>
+                <a:latin typeface="Corbel" panose="020B0503020204020204" pitchFamily="34" charset="0"/>
               </a:rPr>
               <a:t> </a:t>
             </a:r>
@@ -12717,6 +12738,7 @@
                 <a:solidFill>
                   <a:schemeClr val="bg1"/>
                 </a:solidFill>
+                <a:latin typeface="Corbel" panose="020B0503020204020204" pitchFamily="34" charset="0"/>
               </a:rPr>
               <a:t>cont</a:t>
             </a:r>
@@ -12725,6 +12747,7 @@
                 <a:solidFill>
                   <a:schemeClr val="bg1"/>
                 </a:solidFill>
+                <a:latin typeface="Corbel" panose="020B0503020204020204" pitchFamily="34" charset="0"/>
               </a:rPr>
               <a:t> de </a:t>
             </a:r>
@@ -12733,6 +12756,7 @@
                 <a:solidFill>
                   <a:schemeClr val="bg1"/>
                 </a:solidFill>
+                <a:latin typeface="Corbel" panose="020B0503020204020204" pitchFamily="34" charset="0"/>
               </a:rPr>
               <a:t>toate</a:t>
             </a:r>
@@ -12741,6 +12765,7 @@
                 <a:solidFill>
                   <a:schemeClr val="bg1"/>
                 </a:solidFill>
+                <a:latin typeface="Corbel" panose="020B0503020204020204" pitchFamily="34" charset="0"/>
               </a:rPr>
               <a:t> </a:t>
             </a:r>
@@ -12749,6 +12774,7 @@
                 <a:solidFill>
                   <a:schemeClr val="bg1"/>
                 </a:solidFill>
+                <a:latin typeface="Corbel" panose="020B0503020204020204" pitchFamily="34" charset="0"/>
               </a:rPr>
               <a:t>celelalte</a:t>
             </a:r>
@@ -12757,6 +12783,7 @@
                 <a:solidFill>
                   <a:schemeClr val="bg1"/>
                 </a:solidFill>
+                <a:latin typeface="Corbel" panose="020B0503020204020204" pitchFamily="34" charset="0"/>
               </a:rPr>
               <a:t> </a:t>
             </a:r>
@@ -12765,6 +12792,7 @@
                 <a:solidFill>
                   <a:schemeClr val="bg1"/>
                 </a:solidFill>
+                <a:latin typeface="Corbel" panose="020B0503020204020204" pitchFamily="34" charset="0"/>
               </a:rPr>
               <a:t>cuvinte</a:t>
             </a:r>
@@ -12773,6 +12801,7 @@
                 <a:solidFill>
                   <a:schemeClr val="bg1"/>
                 </a:solidFill>
+                <a:latin typeface="Corbel" panose="020B0503020204020204" pitchFamily="34" charset="0"/>
               </a:rPr>
               <a:t> din </a:t>
             </a:r>
@@ -12781,6 +12810,7 @@
                 <a:solidFill>
                   <a:schemeClr val="bg1"/>
                 </a:solidFill>
+                <a:latin typeface="Corbel" panose="020B0503020204020204" pitchFamily="34" charset="0"/>
               </a:rPr>
               <a:t>propoziție</a:t>
             </a:r>
@@ -12789,6 +12819,7 @@
                 <a:solidFill>
                   <a:schemeClr val="bg1"/>
                 </a:solidFill>
+                <a:latin typeface="Corbel" panose="020B0503020204020204" pitchFamily="34" charset="0"/>
               </a:rPr>
               <a:t>, </a:t>
             </a:r>
@@ -12797,6 +12828,7 @@
                 <a:solidFill>
                   <a:schemeClr val="bg1"/>
                 </a:solidFill>
+                <a:latin typeface="Corbel" panose="020B0503020204020204" pitchFamily="34" charset="0"/>
               </a:rPr>
               <a:t>ceea</a:t>
             </a:r>
@@ -12805,6 +12837,7 @@
                 <a:solidFill>
                   <a:schemeClr val="bg1"/>
                 </a:solidFill>
+                <a:latin typeface="Corbel" panose="020B0503020204020204" pitchFamily="34" charset="0"/>
               </a:rPr>
               <a:t> </a:t>
             </a:r>
@@ -12813,6 +12846,7 @@
                 <a:solidFill>
                   <a:schemeClr val="bg1"/>
                 </a:solidFill>
+                <a:latin typeface="Corbel" panose="020B0503020204020204" pitchFamily="34" charset="0"/>
               </a:rPr>
               <a:t>ce</a:t>
             </a:r>
@@ -12821,6 +12855,7 @@
                 <a:solidFill>
                   <a:schemeClr val="bg1"/>
                 </a:solidFill>
+                <a:latin typeface="Corbel" panose="020B0503020204020204" pitchFamily="34" charset="0"/>
               </a:rPr>
               <a:t> </a:t>
             </a:r>
@@ -12829,6 +12864,7 @@
                 <a:solidFill>
                   <a:schemeClr val="bg1"/>
                 </a:solidFill>
+                <a:latin typeface="Corbel" panose="020B0503020204020204" pitchFamily="34" charset="0"/>
               </a:rPr>
               <a:t>ajută</a:t>
             </a:r>
@@ -12837,6 +12873,7 @@
                 <a:solidFill>
                   <a:schemeClr val="bg1"/>
                 </a:solidFill>
+                <a:latin typeface="Corbel" panose="020B0503020204020204" pitchFamily="34" charset="0"/>
               </a:rPr>
               <a:t> </a:t>
             </a:r>
@@ -12845,6 +12882,7 @@
                 <a:solidFill>
                   <a:schemeClr val="bg1"/>
                 </a:solidFill>
+                <a:latin typeface="Corbel" panose="020B0503020204020204" pitchFamily="34" charset="0"/>
               </a:rPr>
               <a:t>modelul</a:t>
             </a:r>
@@ -12853,6 +12891,7 @@
                 <a:solidFill>
                   <a:schemeClr val="bg1"/>
                 </a:solidFill>
+                <a:latin typeface="Corbel" panose="020B0503020204020204" pitchFamily="34" charset="0"/>
               </a:rPr>
               <a:t> </a:t>
             </a:r>
@@ -12861,6 +12900,7 @@
                 <a:solidFill>
                   <a:schemeClr val="bg1"/>
                 </a:solidFill>
+                <a:latin typeface="Corbel" panose="020B0503020204020204" pitchFamily="34" charset="0"/>
               </a:rPr>
               <a:t>să</a:t>
             </a:r>
@@ -12869,6 +12909,7 @@
                 <a:solidFill>
                   <a:schemeClr val="bg1"/>
                 </a:solidFill>
+                <a:latin typeface="Corbel" panose="020B0503020204020204" pitchFamily="34" charset="0"/>
               </a:rPr>
               <a:t>:</a:t>
             </a:r>
@@ -12883,6 +12924,7 @@
               <a:solidFill>
                 <a:schemeClr val="bg1"/>
               </a:solidFill>
+              <a:latin typeface="Corbel" panose="020B0503020204020204" pitchFamily="34" charset="0"/>
             </a:endParaRPr>
           </a:p>
           <a:p>
@@ -12898,6 +12940,7 @@
                 <a:solidFill>
                   <a:schemeClr val="bg1"/>
                 </a:solidFill>
+                <a:latin typeface="Corbel" panose="020B0503020204020204" pitchFamily="34" charset="0"/>
               </a:rPr>
               <a:t>înțeleagă</a:t>
             </a:r>
@@ -12906,6 +12949,7 @@
                 <a:solidFill>
                   <a:schemeClr val="bg1"/>
                 </a:solidFill>
+                <a:latin typeface="Corbel" panose="020B0503020204020204" pitchFamily="34" charset="0"/>
               </a:rPr>
               <a:t> </a:t>
             </a:r>
@@ -12914,6 +12958,7 @@
                 <a:solidFill>
                   <a:schemeClr val="bg1"/>
                 </a:solidFill>
+                <a:latin typeface="Corbel" panose="020B0503020204020204" pitchFamily="34" charset="0"/>
               </a:rPr>
               <a:t>structura</a:t>
             </a:r>
@@ -12922,6 +12967,7 @@
                 <a:solidFill>
                   <a:schemeClr val="bg1"/>
                 </a:solidFill>
+                <a:latin typeface="Corbel" panose="020B0503020204020204" pitchFamily="34" charset="0"/>
               </a:rPr>
               <a:t> </a:t>
             </a:r>
@@ -12930,6 +12976,7 @@
                 <a:solidFill>
                   <a:schemeClr val="bg1"/>
                 </a:solidFill>
+                <a:latin typeface="Corbel" panose="020B0503020204020204" pitchFamily="34" charset="0"/>
               </a:rPr>
               <a:t>gramaticală</a:t>
             </a:r>
@@ -12937,6 +12984,7 @@
               <a:solidFill>
                 <a:schemeClr val="bg1"/>
               </a:solidFill>
+              <a:latin typeface="Corbel" panose="020B0503020204020204" pitchFamily="34" charset="0"/>
             </a:endParaRPr>
           </a:p>
           <a:p>
@@ -12952,6 +13000,7 @@
                 <a:solidFill>
                   <a:schemeClr val="bg1"/>
                 </a:solidFill>
+                <a:latin typeface="Corbel" panose="020B0503020204020204" pitchFamily="34" charset="0"/>
               </a:rPr>
               <a:t>păstreze</a:t>
             </a:r>
@@ -12960,6 +13009,7 @@
                 <a:solidFill>
                   <a:schemeClr val="bg1"/>
                 </a:solidFill>
+                <a:latin typeface="Corbel" panose="020B0503020204020204" pitchFamily="34" charset="0"/>
               </a:rPr>
               <a:t> </a:t>
             </a:r>
@@ -12968,6 +13018,7 @@
                 <a:solidFill>
                   <a:schemeClr val="bg1"/>
                 </a:solidFill>
+                <a:latin typeface="Corbel" panose="020B0503020204020204" pitchFamily="34" charset="0"/>
               </a:rPr>
               <a:t>sensul</a:t>
             </a:r>
@@ -12976,6 +13027,7 @@
                 <a:solidFill>
                   <a:schemeClr val="bg1"/>
                 </a:solidFill>
+                <a:latin typeface="Corbel" panose="020B0503020204020204" pitchFamily="34" charset="0"/>
               </a:rPr>
               <a:t> </a:t>
             </a:r>
@@ -12984,6 +13036,7 @@
                 <a:solidFill>
                   <a:schemeClr val="bg1"/>
                 </a:solidFill>
+                <a:latin typeface="Corbel" panose="020B0503020204020204" pitchFamily="34" charset="0"/>
               </a:rPr>
               <a:t>propoziției</a:t>
             </a:r>
@@ -12991,6 +13044,7 @@
               <a:solidFill>
                 <a:schemeClr val="bg1"/>
               </a:solidFill>
+              <a:latin typeface="Corbel" panose="020B0503020204020204" pitchFamily="34" charset="0"/>
             </a:endParaRPr>
           </a:p>
           <a:p>
@@ -13006,6 +13060,7 @@
                 <a:solidFill>
                   <a:schemeClr val="bg1"/>
                 </a:solidFill>
+                <a:latin typeface="Corbel" panose="020B0503020204020204" pitchFamily="34" charset="0"/>
               </a:rPr>
               <a:t>evite traducerile mecanice, cuvânt cu cuvânt</a:t>
             </a:r>
@@ -13013,6 +13068,7 @@
               <a:solidFill>
                 <a:schemeClr val="bg1"/>
               </a:solidFill>
+              <a:latin typeface="Corbel" panose="020B0503020204020204" pitchFamily="34" charset="0"/>
             </a:endParaRPr>
           </a:p>
           <a:p>
@@ -13025,6 +13081,7 @@
               <a:solidFill>
                 <a:schemeClr val="bg1"/>
               </a:solidFill>
+              <a:latin typeface="Corbel" panose="020B0503020204020204" pitchFamily="34" charset="0"/>
             </a:endParaRPr>
           </a:p>
         </p:txBody>
@@ -13044,7 +13101,7 @@
         <p:spPr>
           <a:xfrm>
             <a:off x="1037328" y="4354984"/>
-            <a:ext cx="4631952" cy="1390958"/>
+            <a:ext cx="4631952" cy="1067343"/>
           </a:xfrm>
           <a:prstGeom prst="rect">
             <a:avLst/>
@@ -13067,6 +13124,7 @@
                 <a:solidFill>
                   <a:schemeClr val="bg1"/>
                 </a:solidFill>
+                <a:latin typeface="Corbel" panose="020B0503020204020204" pitchFamily="34" charset="0"/>
               </a:rPr>
               <a:t>    </a:t>
             </a:r>
@@ -13075,6 +13133,7 @@
                 <a:solidFill>
                   <a:schemeClr val="bg1"/>
                 </a:solidFill>
+                <a:latin typeface="Corbel" panose="020B0503020204020204" pitchFamily="34" charset="0"/>
               </a:rPr>
               <a:t>Modelul</a:t>
             </a:r>
@@ -13083,6 +13142,7 @@
                 <a:solidFill>
                   <a:schemeClr val="bg1"/>
                 </a:solidFill>
+                <a:latin typeface="Corbel" panose="020B0503020204020204" pitchFamily="34" charset="0"/>
               </a:rPr>
               <a:t> </a:t>
             </a:r>
@@ -13091,6 +13151,7 @@
                 <a:solidFill>
                   <a:schemeClr val="bg1"/>
                 </a:solidFill>
+                <a:latin typeface="Corbel" panose="020B0503020204020204" pitchFamily="34" charset="0"/>
               </a:rPr>
               <a:t>este</a:t>
             </a:r>
@@ -13099,6 +13160,7 @@
                 <a:solidFill>
                   <a:schemeClr val="bg1"/>
                 </a:solidFill>
+                <a:latin typeface="Corbel" panose="020B0503020204020204" pitchFamily="34" charset="0"/>
               </a:rPr>
               <a:t> </a:t>
             </a:r>
@@ -13107,6 +13169,7 @@
                 <a:solidFill>
                   <a:schemeClr val="bg1"/>
                 </a:solidFill>
+                <a:latin typeface="Corbel" panose="020B0503020204020204" pitchFamily="34" charset="0"/>
               </a:rPr>
               <a:t>ghidat</a:t>
             </a:r>
@@ -13115,6 +13178,7 @@
                 <a:solidFill>
                   <a:schemeClr val="bg1"/>
                 </a:solidFill>
+                <a:latin typeface="Corbel" panose="020B0503020204020204" pitchFamily="34" charset="0"/>
               </a:rPr>
               <a:t> </a:t>
             </a:r>
@@ -13123,6 +13187,7 @@
                 <a:solidFill>
                   <a:schemeClr val="bg1"/>
                 </a:solidFill>
+                <a:latin typeface="Corbel" panose="020B0503020204020204" pitchFamily="34" charset="0"/>
               </a:rPr>
               <a:t>către</a:t>
             </a:r>
@@ -13131,6 +13196,7 @@
                 <a:solidFill>
                   <a:schemeClr val="bg1"/>
                 </a:solidFill>
+                <a:latin typeface="Corbel" panose="020B0503020204020204" pitchFamily="34" charset="0"/>
               </a:rPr>
               <a:t> </a:t>
             </a:r>
@@ -13139,6 +13205,7 @@
                 <a:solidFill>
                   <a:schemeClr val="bg1"/>
                 </a:solidFill>
+                <a:latin typeface="Corbel" panose="020B0503020204020204" pitchFamily="34" charset="0"/>
               </a:rPr>
               <a:t>limba</a:t>
             </a:r>
@@ -13147,6 +13214,7 @@
                 <a:solidFill>
                   <a:schemeClr val="bg1"/>
                 </a:solidFill>
+                <a:latin typeface="Corbel" panose="020B0503020204020204" pitchFamily="34" charset="0"/>
               </a:rPr>
               <a:t> </a:t>
             </a:r>
@@ -13155,6 +13223,7 @@
                 <a:solidFill>
                   <a:schemeClr val="bg1"/>
                 </a:solidFill>
+                <a:latin typeface="Corbel" panose="020B0503020204020204" pitchFamily="34" charset="0"/>
               </a:rPr>
               <a:t>dorită</a:t>
             </a:r>
@@ -13163,6 +13232,7 @@
                 <a:solidFill>
                   <a:schemeClr val="bg1"/>
                 </a:solidFill>
+                <a:latin typeface="Corbel" panose="020B0503020204020204" pitchFamily="34" charset="0"/>
               </a:rPr>
               <a:t> </a:t>
             </a:r>
@@ -13171,6 +13241,7 @@
                 <a:solidFill>
                   <a:schemeClr val="bg1"/>
                 </a:solidFill>
+                <a:latin typeface="Corbel" panose="020B0503020204020204" pitchFamily="34" charset="0"/>
               </a:rPr>
               <a:t>printr</a:t>
             </a:r>
@@ -13179,6 +13250,7 @@
                 <a:solidFill>
                   <a:schemeClr val="bg1"/>
                 </a:solidFill>
+                <a:latin typeface="Corbel" panose="020B0503020204020204" pitchFamily="34" charset="0"/>
               </a:rPr>
               <a:t>-un token special de </a:t>
             </a:r>
@@ -13187,6 +13259,7 @@
                 <a:solidFill>
                   <a:schemeClr val="bg1"/>
                 </a:solidFill>
+                <a:latin typeface="Corbel" panose="020B0503020204020204" pitchFamily="34" charset="0"/>
               </a:rPr>
               <a:t>limbă</a:t>
             </a:r>
@@ -13195,6 +13268,7 @@
                 <a:solidFill>
                   <a:schemeClr val="bg1"/>
                 </a:solidFill>
+                <a:latin typeface="Corbel" panose="020B0503020204020204" pitchFamily="34" charset="0"/>
               </a:rPr>
               <a:t>, care </a:t>
             </a:r>
@@ -13203,6 +13277,7 @@
                 <a:solidFill>
                   <a:schemeClr val="bg1"/>
                 </a:solidFill>
+                <a:latin typeface="Corbel" panose="020B0503020204020204" pitchFamily="34" charset="0"/>
               </a:rPr>
               <a:t>îi</a:t>
             </a:r>
@@ -13211,6 +13286,7 @@
                 <a:solidFill>
                   <a:schemeClr val="bg1"/>
                 </a:solidFill>
+                <a:latin typeface="Corbel" panose="020B0503020204020204" pitchFamily="34" charset="0"/>
               </a:rPr>
               <a:t> </a:t>
             </a:r>
@@ -13219,6 +13295,7 @@
                 <a:solidFill>
                   <a:schemeClr val="bg1"/>
                 </a:solidFill>
+                <a:latin typeface="Corbel" panose="020B0503020204020204" pitchFamily="34" charset="0"/>
               </a:rPr>
               <a:t>spune</a:t>
             </a:r>
@@ -13227,6 +13304,7 @@
                 <a:solidFill>
                   <a:schemeClr val="bg1"/>
                 </a:solidFill>
+                <a:latin typeface="Corbel" panose="020B0503020204020204" pitchFamily="34" charset="0"/>
               </a:rPr>
               <a:t> explicit </a:t>
             </a:r>
@@ -13235,6 +13313,7 @@
                 <a:solidFill>
                   <a:schemeClr val="bg1"/>
                 </a:solidFill>
+                <a:latin typeface="Corbel" panose="020B0503020204020204" pitchFamily="34" charset="0"/>
               </a:rPr>
               <a:t>în</a:t>
             </a:r>
@@ -13243,6 +13322,7 @@
                 <a:solidFill>
                   <a:schemeClr val="bg1"/>
                 </a:solidFill>
+                <a:latin typeface="Corbel" panose="020B0503020204020204" pitchFamily="34" charset="0"/>
               </a:rPr>
               <a:t> </a:t>
             </a:r>
@@ -13251,6 +13331,7 @@
                 <a:solidFill>
                   <a:schemeClr val="bg1"/>
                 </a:solidFill>
+                <a:latin typeface="Corbel" panose="020B0503020204020204" pitchFamily="34" charset="0"/>
               </a:rPr>
               <a:t>ce</a:t>
             </a:r>
@@ -13259,6 +13340,7 @@
                 <a:solidFill>
                   <a:schemeClr val="bg1"/>
                 </a:solidFill>
+                <a:latin typeface="Corbel" panose="020B0503020204020204" pitchFamily="34" charset="0"/>
               </a:rPr>
               <a:t> </a:t>
             </a:r>
@@ -13267,6 +13349,7 @@
                 <a:solidFill>
                   <a:schemeClr val="bg1"/>
                 </a:solidFill>
+                <a:latin typeface="Corbel" panose="020B0503020204020204" pitchFamily="34" charset="0"/>
               </a:rPr>
               <a:t>limbă</a:t>
             </a:r>
@@ -13275,6 +13358,7 @@
                 <a:solidFill>
                   <a:schemeClr val="bg1"/>
                 </a:solidFill>
+                <a:latin typeface="Corbel" panose="020B0503020204020204" pitchFamily="34" charset="0"/>
               </a:rPr>
               <a:t> </a:t>
             </a:r>
@@ -13283,6 +13367,7 @@
                 <a:solidFill>
                   <a:schemeClr val="bg1"/>
                 </a:solidFill>
+                <a:latin typeface="Corbel" panose="020B0503020204020204" pitchFamily="34" charset="0"/>
               </a:rPr>
               <a:t>trebuie</a:t>
             </a:r>
@@ -13291,6 +13376,7 @@
                 <a:solidFill>
                   <a:schemeClr val="bg1"/>
                 </a:solidFill>
+                <a:latin typeface="Corbel" panose="020B0503020204020204" pitchFamily="34" charset="0"/>
               </a:rPr>
               <a:t> </a:t>
             </a:r>
@@ -13299,6 +13385,7 @@
                 <a:solidFill>
                   <a:schemeClr val="bg1"/>
                 </a:solidFill>
+                <a:latin typeface="Corbel" panose="020B0503020204020204" pitchFamily="34" charset="0"/>
               </a:rPr>
               <a:t>să</a:t>
             </a:r>
@@ -13307,6 +13394,7 @@
                 <a:solidFill>
                   <a:schemeClr val="bg1"/>
                 </a:solidFill>
+                <a:latin typeface="Corbel" panose="020B0503020204020204" pitchFamily="34" charset="0"/>
               </a:rPr>
               <a:t> </a:t>
             </a:r>
@@ -13315,6 +13403,7 @@
                 <a:solidFill>
                   <a:schemeClr val="bg1"/>
                 </a:solidFill>
+                <a:latin typeface="Corbel" panose="020B0503020204020204" pitchFamily="34" charset="0"/>
               </a:rPr>
               <a:t>genereze</a:t>
             </a:r>
@@ -13323,6 +13412,7 @@
                 <a:solidFill>
                   <a:schemeClr val="bg1"/>
                 </a:solidFill>
+                <a:latin typeface="Corbel" panose="020B0503020204020204" pitchFamily="34" charset="0"/>
               </a:rPr>
               <a:t> </a:t>
             </a:r>
@@ -13331,6 +13421,7 @@
                 <a:solidFill>
                   <a:schemeClr val="bg1"/>
                 </a:solidFill>
+                <a:latin typeface="Corbel" panose="020B0503020204020204" pitchFamily="34" charset="0"/>
               </a:rPr>
               <a:t>rezultatul</a:t>
             </a:r>
@@ -13339,6 +13430,7 @@
                 <a:solidFill>
                   <a:schemeClr val="bg1"/>
                 </a:solidFill>
+                <a:latin typeface="Corbel" panose="020B0503020204020204" pitchFamily="34" charset="0"/>
               </a:rPr>
               <a:t>.</a:t>
             </a:r>
@@ -13346,6 +13438,7 @@
               <a:solidFill>
                 <a:schemeClr val="bg1"/>
               </a:solidFill>
+              <a:latin typeface="Corbel" panose="020B0503020204020204" pitchFamily="34" charset="0"/>
             </a:endParaRPr>
           </a:p>
         </p:txBody>
@@ -14642,7 +14735,7 @@
         <p:spPr>
           <a:xfrm>
             <a:off x="371475" y="1262270"/>
-            <a:ext cx="2537361" cy="369332"/>
+            <a:ext cx="2359941" cy="369332"/>
           </a:xfrm>
           <a:prstGeom prst="rect">
             <a:avLst/>
@@ -14660,6 +14753,7 @@
                 <a:solidFill>
                   <a:schemeClr val="bg1"/>
                 </a:solidFill>
+                <a:latin typeface="Corbel" panose="020B0503020204020204" pitchFamily="34" charset="0"/>
               </a:rPr>
               <a:t>Antrenarea</a:t>
             </a:r>
@@ -14668,6 +14762,7 @@
                 <a:solidFill>
                   <a:schemeClr val="bg1"/>
                 </a:solidFill>
+                <a:latin typeface="Corbel" panose="020B0503020204020204" pitchFamily="34" charset="0"/>
               </a:rPr>
               <a:t> </a:t>
             </a:r>
@@ -14676,6 +14771,7 @@
                 <a:solidFill>
                   <a:schemeClr val="bg1"/>
                 </a:solidFill>
+                <a:latin typeface="Corbel" panose="020B0503020204020204" pitchFamily="34" charset="0"/>
               </a:rPr>
               <a:t>modelului</a:t>
             </a:r>
@@ -14683,6 +14779,7 @@
               <a:solidFill>
                 <a:schemeClr val="bg1"/>
               </a:solidFill>
+              <a:latin typeface="Corbel" panose="020B0503020204020204" pitchFamily="34" charset="0"/>
             </a:endParaRPr>
           </a:p>
         </p:txBody>
@@ -14725,6 +14822,7 @@
                 <a:solidFill>
                   <a:schemeClr val="bg1"/>
                 </a:solidFill>
+                <a:latin typeface="Corbel" panose="020B0503020204020204" pitchFamily="34" charset="0"/>
               </a:rPr>
               <a:t>    </a:t>
             </a:r>
@@ -14733,6 +14831,7 @@
                 <a:solidFill>
                   <a:schemeClr val="bg1"/>
                 </a:solidFill>
+                <a:latin typeface="Corbel" panose="020B0503020204020204" pitchFamily="34" charset="0"/>
               </a:rPr>
               <a:t>M2M100 a </a:t>
             </a:r>
@@ -14741,6 +14840,7 @@
                 <a:solidFill>
                   <a:schemeClr val="bg1"/>
                 </a:solidFill>
+                <a:latin typeface="Corbel" panose="020B0503020204020204" pitchFamily="34" charset="0"/>
               </a:rPr>
               <a:t>fost</a:t>
             </a:r>
@@ -14749,6 +14849,7 @@
                 <a:solidFill>
                   <a:schemeClr val="bg1"/>
                 </a:solidFill>
+                <a:latin typeface="Corbel" panose="020B0503020204020204" pitchFamily="34" charset="0"/>
               </a:rPr>
               <a:t> </a:t>
             </a:r>
@@ -14757,6 +14858,7 @@
                 <a:solidFill>
                   <a:schemeClr val="bg1"/>
                 </a:solidFill>
+                <a:latin typeface="Corbel" panose="020B0503020204020204" pitchFamily="34" charset="0"/>
               </a:rPr>
               <a:t>antrenat</a:t>
             </a:r>
@@ -14765,6 +14867,7 @@
                 <a:solidFill>
                   <a:schemeClr val="bg1"/>
                 </a:solidFill>
+                <a:latin typeface="Corbel" panose="020B0503020204020204" pitchFamily="34" charset="0"/>
               </a:rPr>
               <a:t> pe </a:t>
             </a:r>
@@ -14773,6 +14876,7 @@
                 <a:solidFill>
                   <a:schemeClr val="bg1"/>
                 </a:solidFill>
+                <a:latin typeface="Corbel" panose="020B0503020204020204" pitchFamily="34" charset="0"/>
               </a:rPr>
               <a:t>miliarde</a:t>
             </a:r>
@@ -14781,6 +14885,7 @@
                 <a:solidFill>
                   <a:schemeClr val="bg1"/>
                 </a:solidFill>
+                <a:latin typeface="Corbel" panose="020B0503020204020204" pitchFamily="34" charset="0"/>
               </a:rPr>
               <a:t> de </a:t>
             </a:r>
@@ -14789,6 +14894,7 @@
                 <a:solidFill>
                   <a:schemeClr val="bg1"/>
                 </a:solidFill>
+                <a:latin typeface="Corbel" panose="020B0503020204020204" pitchFamily="34" charset="0"/>
               </a:rPr>
               <a:t>propoziții</a:t>
             </a:r>
@@ -14797,6 +14903,7 @@
                 <a:solidFill>
                   <a:schemeClr val="bg1"/>
                 </a:solidFill>
+                <a:latin typeface="Corbel" panose="020B0503020204020204" pitchFamily="34" charset="0"/>
               </a:rPr>
               <a:t> </a:t>
             </a:r>
@@ -14805,6 +14912,7 @@
                 <a:solidFill>
                   <a:schemeClr val="bg1"/>
                 </a:solidFill>
+                <a:latin typeface="Corbel" panose="020B0503020204020204" pitchFamily="34" charset="0"/>
               </a:rPr>
               <a:t>traduse</a:t>
             </a:r>
@@ -14813,6 +14921,7 @@
                 <a:solidFill>
                   <a:schemeClr val="bg1"/>
                 </a:solidFill>
+                <a:latin typeface="Corbel" panose="020B0503020204020204" pitchFamily="34" charset="0"/>
               </a:rPr>
               <a:t> din </a:t>
             </a:r>
@@ -14821,6 +14930,7 @@
                 <a:solidFill>
                   <a:schemeClr val="bg1"/>
                 </a:solidFill>
+                <a:latin typeface="Corbel" panose="020B0503020204020204" pitchFamily="34" charset="0"/>
               </a:rPr>
               <a:t>surse</a:t>
             </a:r>
@@ -14829,6 +14939,7 @@
                 <a:solidFill>
                   <a:schemeClr val="bg1"/>
                 </a:solidFill>
+                <a:latin typeface="Corbel" panose="020B0503020204020204" pitchFamily="34" charset="0"/>
               </a:rPr>
               <a:t> </a:t>
             </a:r>
@@ -14837,6 +14948,7 @@
                 <a:solidFill>
                   <a:schemeClr val="bg1"/>
                 </a:solidFill>
+                <a:latin typeface="Corbel" panose="020B0503020204020204" pitchFamily="34" charset="0"/>
               </a:rPr>
               <a:t>reale</a:t>
             </a:r>
@@ -14845,6 +14957,7 @@
                 <a:solidFill>
                   <a:schemeClr val="bg1"/>
                 </a:solidFill>
+                <a:latin typeface="Corbel" panose="020B0503020204020204" pitchFamily="34" charset="0"/>
               </a:rPr>
               <a:t> (</a:t>
             </a:r>
@@ -14853,6 +14966,7 @@
                 <a:solidFill>
                   <a:schemeClr val="bg1"/>
                 </a:solidFill>
+                <a:latin typeface="Corbel" panose="020B0503020204020204" pitchFamily="34" charset="0"/>
               </a:rPr>
               <a:t>documente</a:t>
             </a:r>
@@ -14861,6 +14975,7 @@
                 <a:solidFill>
                   <a:schemeClr val="bg1"/>
                 </a:solidFill>
+                <a:latin typeface="Corbel" panose="020B0503020204020204" pitchFamily="34" charset="0"/>
               </a:rPr>
               <a:t> </a:t>
             </a:r>
@@ -14869,6 +14984,7 @@
                 <a:solidFill>
                   <a:schemeClr val="bg1"/>
                 </a:solidFill>
+                <a:latin typeface="Corbel" panose="020B0503020204020204" pitchFamily="34" charset="0"/>
               </a:rPr>
               <a:t>oficiale</a:t>
             </a:r>
@@ -14877,6 +14993,7 @@
                 <a:solidFill>
                   <a:schemeClr val="bg1"/>
                 </a:solidFill>
+                <a:latin typeface="Corbel" panose="020B0503020204020204" pitchFamily="34" charset="0"/>
               </a:rPr>
               <a:t>, web, Wikipedia etc.), </a:t>
             </a:r>
@@ -14885,6 +15002,7 @@
                 <a:solidFill>
                   <a:schemeClr val="bg1"/>
                 </a:solidFill>
+                <a:latin typeface="Corbel" panose="020B0503020204020204" pitchFamily="34" charset="0"/>
               </a:rPr>
               <a:t>învățând</a:t>
             </a:r>
@@ -14893,6 +15011,7 @@
                 <a:solidFill>
                   <a:schemeClr val="bg1"/>
                 </a:solidFill>
+                <a:latin typeface="Corbel" panose="020B0503020204020204" pitchFamily="34" charset="0"/>
               </a:rPr>
               <a:t> </a:t>
             </a:r>
@@ -14901,6 +15020,7 @@
                 <a:solidFill>
                   <a:schemeClr val="bg1"/>
                 </a:solidFill>
+                <a:latin typeface="Corbel" panose="020B0503020204020204" pitchFamily="34" charset="0"/>
               </a:rPr>
               <a:t>tipare</a:t>
             </a:r>
@@ -14909,6 +15029,7 @@
                 <a:solidFill>
                   <a:schemeClr val="bg1"/>
                 </a:solidFill>
+                <a:latin typeface="Corbel" panose="020B0503020204020204" pitchFamily="34" charset="0"/>
               </a:rPr>
               <a:t> </a:t>
             </a:r>
@@ -14917,6 +15038,7 @@
                 <a:solidFill>
                   <a:schemeClr val="bg1"/>
                 </a:solidFill>
+                <a:latin typeface="Corbel" panose="020B0503020204020204" pitchFamily="34" charset="0"/>
               </a:rPr>
               <a:t>statistice</a:t>
             </a:r>
@@ -14925,6 +15047,7 @@
                 <a:solidFill>
                   <a:schemeClr val="bg1"/>
                 </a:solidFill>
+                <a:latin typeface="Corbel" panose="020B0503020204020204" pitchFamily="34" charset="0"/>
               </a:rPr>
               <a:t> </a:t>
             </a:r>
@@ -14933,6 +15056,7 @@
                 <a:solidFill>
                   <a:schemeClr val="bg1"/>
                 </a:solidFill>
+                <a:latin typeface="Corbel" panose="020B0503020204020204" pitchFamily="34" charset="0"/>
               </a:rPr>
               <a:t>între</a:t>
             </a:r>
@@ -14941,6 +15065,7 @@
                 <a:solidFill>
                   <a:schemeClr val="bg1"/>
                 </a:solidFill>
+                <a:latin typeface="Corbel" panose="020B0503020204020204" pitchFamily="34" charset="0"/>
               </a:rPr>
               <a:t> limbi </a:t>
             </a:r>
@@ -14949,6 +15074,7 @@
                 <a:solidFill>
                   <a:schemeClr val="bg1"/>
                 </a:solidFill>
+                <a:latin typeface="Corbel" panose="020B0503020204020204" pitchFamily="34" charset="0"/>
               </a:rPr>
               <a:t>prin</a:t>
             </a:r>
@@ -14957,6 +15083,7 @@
                 <a:solidFill>
                   <a:schemeClr val="bg1"/>
                 </a:solidFill>
+                <a:latin typeface="Corbel" panose="020B0503020204020204" pitchFamily="34" charset="0"/>
               </a:rPr>
               <a:t> </a:t>
             </a:r>
@@ -14965,6 +15092,7 @@
                 <a:solidFill>
                   <a:schemeClr val="bg1"/>
                 </a:solidFill>
+                <a:latin typeface="Corbel" panose="020B0503020204020204" pitchFamily="34" charset="0"/>
               </a:rPr>
               <a:t>ajustarea</a:t>
             </a:r>
@@ -14973,6 +15101,7 @@
                 <a:solidFill>
                   <a:schemeClr val="bg1"/>
                 </a:solidFill>
+                <a:latin typeface="Corbel" panose="020B0503020204020204" pitchFamily="34" charset="0"/>
               </a:rPr>
               <a:t> a </a:t>
             </a:r>
@@ -14981,6 +15110,7 @@
                 <a:solidFill>
                   <a:schemeClr val="bg1"/>
                 </a:solidFill>
+                <a:latin typeface="Corbel" panose="020B0503020204020204" pitchFamily="34" charset="0"/>
               </a:rPr>
               <a:t>peste</a:t>
             </a:r>
@@ -14989,6 +15119,7 @@
                 <a:solidFill>
                   <a:schemeClr val="bg1"/>
                 </a:solidFill>
+                <a:latin typeface="Corbel" panose="020B0503020204020204" pitchFamily="34" charset="0"/>
               </a:rPr>
               <a:t> 418 </a:t>
             </a:r>
@@ -14997,6 +15128,7 @@
                 <a:solidFill>
                   <a:schemeClr val="bg1"/>
                 </a:solidFill>
+                <a:latin typeface="Corbel" panose="020B0503020204020204" pitchFamily="34" charset="0"/>
               </a:rPr>
               <a:t>milioane</a:t>
             </a:r>
@@ -15005,6 +15137,7 @@
                 <a:solidFill>
                   <a:schemeClr val="bg1"/>
                 </a:solidFill>
+                <a:latin typeface="Corbel" panose="020B0503020204020204" pitchFamily="34" charset="0"/>
               </a:rPr>
               <a:t> de </a:t>
             </a:r>
@@ -15013,6 +15146,7 @@
                 <a:solidFill>
                   <a:schemeClr val="bg1"/>
                 </a:solidFill>
+                <a:latin typeface="Corbel" panose="020B0503020204020204" pitchFamily="34" charset="0"/>
               </a:rPr>
               <a:t>parametri</a:t>
             </a:r>
@@ -15021,6 +15155,7 @@
                 <a:solidFill>
                   <a:schemeClr val="bg1"/>
                 </a:solidFill>
+                <a:latin typeface="Corbel" panose="020B0503020204020204" pitchFamily="34" charset="0"/>
               </a:rPr>
               <a:t>.</a:t>
             </a:r>
@@ -15028,6 +15163,7 @@
               <a:solidFill>
                 <a:schemeClr val="bg1"/>
               </a:solidFill>
+              <a:latin typeface="Corbel" panose="020B0503020204020204" pitchFamily="34" charset="0"/>
             </a:endParaRPr>
           </a:p>
         </p:txBody>
@@ -15047,7 +15183,7 @@
         <p:spPr>
           <a:xfrm>
             <a:off x="371475" y="3613666"/>
-            <a:ext cx="1533946" cy="369332"/>
+            <a:ext cx="1061509" cy="369332"/>
           </a:xfrm>
           <a:prstGeom prst="rect">
             <a:avLst/>
@@ -15065,8 +15201,9 @@
                 <a:solidFill>
                   <a:schemeClr val="bg1"/>
                 </a:solidFill>
-              </a:rPr>
-              <a:t>Performanță</a:t>
+                <a:latin typeface="Corbel" panose="020B0503020204020204" pitchFamily="34" charset="0"/>
+              </a:rPr>
+              <a:t>Eficiență</a:t>
             </a:r>
           </a:p>
         </p:txBody>
@@ -15109,6 +15246,7 @@
                 <a:solidFill>
                   <a:schemeClr val="bg1"/>
                 </a:solidFill>
+                <a:latin typeface="Corbel" panose="020B0503020204020204" pitchFamily="34" charset="0"/>
               </a:rPr>
               <a:t>M</a:t>
             </a:r>
@@ -15117,6 +15255,7 @@
                 <a:solidFill>
                   <a:schemeClr val="bg1"/>
                 </a:solidFill>
+                <a:latin typeface="Corbel" panose="020B0503020204020204" pitchFamily="34" charset="0"/>
               </a:rPr>
               <a:t>odelul</a:t>
             </a:r>
@@ -15125,6 +15264,7 @@
                 <a:solidFill>
                   <a:schemeClr val="bg1"/>
                 </a:solidFill>
+                <a:latin typeface="Corbel" panose="020B0503020204020204" pitchFamily="34" charset="0"/>
               </a:rPr>
               <a:t> </a:t>
             </a:r>
@@ -15133,6 +15273,7 @@
                 <a:solidFill>
                   <a:schemeClr val="bg1"/>
                 </a:solidFill>
+                <a:latin typeface="Corbel" panose="020B0503020204020204" pitchFamily="34" charset="0"/>
               </a:rPr>
               <a:t>este</a:t>
             </a:r>
@@ -15141,6 +15282,7 @@
                 <a:solidFill>
                   <a:schemeClr val="bg1"/>
                 </a:solidFill>
+                <a:latin typeface="Corbel" panose="020B0503020204020204" pitchFamily="34" charset="0"/>
               </a:rPr>
               <a:t> </a:t>
             </a:r>
@@ -15149,6 +15291,7 @@
                 <a:solidFill>
                   <a:schemeClr val="bg1"/>
                 </a:solidFill>
+                <a:latin typeface="Corbel" panose="020B0503020204020204" pitchFamily="34" charset="0"/>
               </a:rPr>
               <a:t>eficient</a:t>
             </a:r>
@@ -15157,6 +15300,7 @@
                 <a:solidFill>
                   <a:schemeClr val="bg1"/>
                 </a:solidFill>
+                <a:latin typeface="Corbel" panose="020B0503020204020204" pitchFamily="34" charset="0"/>
               </a:rPr>
               <a:t> </a:t>
             </a:r>
@@ -15165,6 +15309,7 @@
                 <a:solidFill>
                   <a:schemeClr val="bg1"/>
                 </a:solidFill>
+                <a:latin typeface="Corbel" panose="020B0503020204020204" pitchFamily="34" charset="0"/>
               </a:rPr>
               <a:t>deoarece</a:t>
             </a:r>
@@ -15173,6 +15318,7 @@
                 <a:solidFill>
                   <a:schemeClr val="bg1"/>
                 </a:solidFill>
+                <a:latin typeface="Corbel" panose="020B0503020204020204" pitchFamily="34" charset="0"/>
               </a:rPr>
               <a:t>:</a:t>
             </a:r>
@@ -15180,6 +15326,7 @@
               <a:solidFill>
                 <a:schemeClr val="bg1"/>
               </a:solidFill>
+              <a:latin typeface="Corbel" panose="020B0503020204020204" pitchFamily="34" charset="0"/>
             </a:endParaRPr>
           </a:p>
           <a:p>
@@ -15195,6 +15342,7 @@
                 <a:solidFill>
                   <a:schemeClr val="bg1"/>
                 </a:solidFill>
+                <a:latin typeface="Corbel" panose="020B0503020204020204" pitchFamily="34" charset="0"/>
               </a:rPr>
               <a:t>folosește</a:t>
             </a:r>
@@ -15203,6 +15351,7 @@
                 <a:solidFill>
                   <a:schemeClr val="bg1"/>
                 </a:solidFill>
+                <a:latin typeface="Corbel" panose="020B0503020204020204" pitchFamily="34" charset="0"/>
               </a:rPr>
               <a:t> </a:t>
             </a:r>
@@ -15211,6 +15360,7 @@
                 <a:solidFill>
                   <a:schemeClr val="bg1"/>
                 </a:solidFill>
+                <a:latin typeface="Corbel" panose="020B0503020204020204" pitchFamily="34" charset="0"/>
               </a:rPr>
               <a:t>arhitectura</a:t>
             </a:r>
@@ -15219,6 +15369,7 @@
                 <a:solidFill>
                   <a:schemeClr val="bg1"/>
                 </a:solidFill>
+                <a:latin typeface="Corbel" panose="020B0503020204020204" pitchFamily="34" charset="0"/>
               </a:rPr>
               <a:t> Transformer</a:t>
             </a:r>
@@ -15226,6 +15377,7 @@
               <a:solidFill>
                 <a:schemeClr val="bg1"/>
               </a:solidFill>
+              <a:latin typeface="Corbel" panose="020B0503020204020204" pitchFamily="34" charset="0"/>
             </a:endParaRPr>
           </a:p>
           <a:p>
@@ -15241,6 +15393,7 @@
                 <a:solidFill>
                   <a:schemeClr val="bg1"/>
                 </a:solidFill>
+                <a:latin typeface="Corbel" panose="020B0503020204020204" pitchFamily="34" charset="0"/>
               </a:rPr>
               <a:t>modelează</a:t>
             </a:r>
@@ -15249,6 +15402,7 @@
                 <a:solidFill>
                   <a:schemeClr val="bg1"/>
                 </a:solidFill>
+                <a:latin typeface="Corbel" panose="020B0503020204020204" pitchFamily="34" charset="0"/>
               </a:rPr>
               <a:t> </a:t>
             </a:r>
@@ -15257,6 +15411,7 @@
                 <a:solidFill>
                   <a:schemeClr val="bg1"/>
                 </a:solidFill>
+                <a:latin typeface="Corbel" panose="020B0503020204020204" pitchFamily="34" charset="0"/>
               </a:rPr>
               <a:t>contextul</a:t>
             </a:r>
@@ -15265,6 +15420,7 @@
                 <a:solidFill>
                   <a:schemeClr val="bg1"/>
                 </a:solidFill>
+                <a:latin typeface="Corbel" panose="020B0503020204020204" pitchFamily="34" charset="0"/>
               </a:rPr>
               <a:t> global al </a:t>
             </a:r>
@@ -15273,6 +15429,7 @@
                 <a:solidFill>
                   <a:schemeClr val="bg1"/>
                 </a:solidFill>
+                <a:latin typeface="Corbel" panose="020B0503020204020204" pitchFamily="34" charset="0"/>
               </a:rPr>
               <a:t>propoziției</a:t>
             </a:r>
@@ -15280,6 +15437,7 @@
               <a:solidFill>
                 <a:schemeClr val="bg1"/>
               </a:solidFill>
+              <a:latin typeface="Corbel" panose="020B0503020204020204" pitchFamily="34" charset="0"/>
             </a:endParaRPr>
           </a:p>
           <a:p>
@@ -15295,6 +15453,7 @@
                 <a:solidFill>
                   <a:schemeClr val="bg1"/>
                 </a:solidFill>
+                <a:latin typeface="Corbel" panose="020B0503020204020204" pitchFamily="34" charset="0"/>
               </a:rPr>
               <a:t>este </a:t>
             </a:r>
@@ -15303,6 +15462,7 @@
                 <a:solidFill>
                   <a:schemeClr val="bg1"/>
                 </a:solidFill>
+                <a:latin typeface="Corbel" panose="020B0503020204020204" pitchFamily="34" charset="0"/>
               </a:rPr>
               <a:t>antrenat</a:t>
             </a:r>
@@ -15311,6 +15471,7 @@
                 <a:solidFill>
                   <a:schemeClr val="bg1"/>
                 </a:solidFill>
+                <a:latin typeface="Corbel" panose="020B0503020204020204" pitchFamily="34" charset="0"/>
               </a:rPr>
               <a:t> </a:t>
             </a:r>
@@ -15319,6 +15480,7 @@
                 <a:solidFill>
                   <a:schemeClr val="bg1"/>
                 </a:solidFill>
+                <a:latin typeface="Corbel" panose="020B0503020204020204" pitchFamily="34" charset="0"/>
               </a:rPr>
               <a:t>pe</a:t>
             </a:r>
@@ -15327,6 +15489,7 @@
                 <a:solidFill>
                   <a:schemeClr val="bg1"/>
                 </a:solidFill>
+                <a:latin typeface="Corbel" panose="020B0503020204020204" pitchFamily="34" charset="0"/>
               </a:rPr>
               <a:t> volume </a:t>
             </a:r>
@@ -15335,6 +15498,7 @@
                 <a:solidFill>
                   <a:schemeClr val="bg1"/>
                 </a:solidFill>
+                <a:latin typeface="Corbel" panose="020B0503020204020204" pitchFamily="34" charset="0"/>
               </a:rPr>
               <a:t>foarte</a:t>
             </a:r>
@@ -15343,6 +15507,7 @@
                 <a:solidFill>
                   <a:schemeClr val="bg1"/>
                 </a:solidFill>
+                <a:latin typeface="Corbel" panose="020B0503020204020204" pitchFamily="34" charset="0"/>
               </a:rPr>
               <a:t> mari de date</a:t>
             </a:r>
@@ -15350,6 +15515,7 @@
               <a:solidFill>
                 <a:schemeClr val="bg1"/>
               </a:solidFill>
+              <a:latin typeface="Corbel" panose="020B0503020204020204" pitchFamily="34" charset="0"/>
             </a:endParaRPr>
           </a:p>
           <a:p>
@@ -15365,6 +15531,7 @@
                 <a:solidFill>
                   <a:schemeClr val="bg1"/>
                 </a:solidFill>
+                <a:latin typeface="Corbel" panose="020B0503020204020204" pitchFamily="34" charset="0"/>
               </a:rPr>
               <a:t>traduce direct </a:t>
             </a:r>
@@ -15373,6 +15540,7 @@
                 <a:solidFill>
                   <a:schemeClr val="bg1"/>
                 </a:solidFill>
+                <a:latin typeface="Corbel" panose="020B0503020204020204" pitchFamily="34" charset="0"/>
               </a:rPr>
               <a:t>între</a:t>
             </a:r>
@@ -15381,6 +15549,7 @@
                 <a:solidFill>
                   <a:schemeClr val="bg1"/>
                 </a:solidFill>
+                <a:latin typeface="Corbel" panose="020B0503020204020204" pitchFamily="34" charset="0"/>
               </a:rPr>
               <a:t> limbi, </a:t>
             </a:r>
@@ -15389,6 +15558,7 @@
                 <a:solidFill>
                   <a:schemeClr val="bg1"/>
                 </a:solidFill>
+                <a:latin typeface="Corbel" panose="020B0503020204020204" pitchFamily="34" charset="0"/>
               </a:rPr>
               <a:t>fără</a:t>
             </a:r>
@@ -15397,6 +15567,7 @@
                 <a:solidFill>
                   <a:schemeClr val="bg1"/>
                 </a:solidFill>
+                <a:latin typeface="Corbel" panose="020B0503020204020204" pitchFamily="34" charset="0"/>
               </a:rPr>
               <a:t> a </a:t>
             </a:r>
@@ -15405,6 +15576,7 @@
                 <a:solidFill>
                   <a:schemeClr val="bg1"/>
                 </a:solidFill>
+                <a:latin typeface="Corbel" panose="020B0503020204020204" pitchFamily="34" charset="0"/>
               </a:rPr>
               <a:t>trece</a:t>
             </a:r>
@@ -15413,6 +15585,7 @@
                 <a:solidFill>
                   <a:schemeClr val="bg1"/>
                 </a:solidFill>
+                <a:latin typeface="Corbel" panose="020B0503020204020204" pitchFamily="34" charset="0"/>
               </a:rPr>
               <a:t> </a:t>
             </a:r>
@@ -15421,6 +15594,7 @@
                 <a:solidFill>
                   <a:schemeClr val="bg1"/>
                 </a:solidFill>
+                <a:latin typeface="Corbel" panose="020B0503020204020204" pitchFamily="34" charset="0"/>
               </a:rPr>
               <a:t>prin</a:t>
             </a:r>
@@ -15429,6 +15603,7 @@
                 <a:solidFill>
                   <a:schemeClr val="bg1"/>
                 </a:solidFill>
+                <a:latin typeface="Corbel" panose="020B0503020204020204" pitchFamily="34" charset="0"/>
               </a:rPr>
               <a:t> </a:t>
             </a:r>
@@ -15437,6 +15612,7 @@
                 <a:solidFill>
                   <a:schemeClr val="bg1"/>
                 </a:solidFill>
+                <a:latin typeface="Corbel" panose="020B0503020204020204" pitchFamily="34" charset="0"/>
               </a:rPr>
               <a:t>engleză</a:t>
             </a:r>
@@ -15444,6 +15620,7 @@
               <a:solidFill>
                 <a:schemeClr val="bg1"/>
               </a:solidFill>
+              <a:latin typeface="Corbel" panose="020B0503020204020204" pitchFamily="34" charset="0"/>
             </a:endParaRPr>
           </a:p>
         </p:txBody>
@@ -15458,13 +15635,13 @@
   <p:clrMapOvr>
     <a:masterClrMapping/>
   </p:clrMapOvr>
-  <mc:AlternateContent xmlns:mc="http://schemas.openxmlformats.org/markup-compatibility/2006">
-    <mc:Choice xmlns:p159="http://schemas.microsoft.com/office/powerpoint/2015/09/main" Requires="p159">
+  <mc:AlternateContent xmlns:mc="http://schemas.openxmlformats.org/markup-compatibility/2006" xmlns:p159="http://schemas.microsoft.com/office/powerpoint/2015/09/main">
+    <mc:Choice Requires="p159">
       <p:transition xmlns:p14="http://schemas.microsoft.com/office/powerpoint/2010/main" spd="slow" p14:dur="2000">
         <p159:morph option="byObject"/>
       </p:transition>
     </mc:Choice>
-    <mc:Fallback>
+    <mc:Fallback xmlns="">
       <p:transition spd="slow">
         <p:fade/>
       </p:transition>
@@ -17550,7 +17727,19 @@
               <a:rPr lang="ro-RO" sz="2200" noProof="0" dirty="0">
                 <a:latin typeface="Corbel" panose="020B0503020204020204" pitchFamily="34" charset="0"/>
               </a:rPr>
-              <a:t>Numele vine de la M2M100_418M — „many-to-many for 100 languages” — și 418M indică faptul că are aproximativ 418 milioane de parametri.</a:t>
+              <a:t>Numele </a:t>
+            </a:r>
+            <a:r>
+              <a:rPr lang="ro-RO" sz="2200" dirty="0">
+                <a:latin typeface="Corbel" panose="020B0503020204020204" pitchFamily="34" charset="0"/>
+              </a:rPr>
+              <a:t>M2M100 vine de la </a:t>
+            </a:r>
+            <a:r>
+              <a:rPr lang="ro-RO" sz="2200" noProof="0" dirty="0">
+                <a:latin typeface="Corbel" panose="020B0503020204020204" pitchFamily="34" charset="0"/>
+              </a:rPr>
+              <a:t>„many-to-many for 100 languages” și 418M indică faptul că are aproximativ 418 milioane de parametri.</a:t>
             </a:r>
           </a:p>
         </p:txBody>
@@ -18220,7 +18409,7 @@
         <p:spPr>
           <a:xfrm>
             <a:off x="1797681" y="1813066"/>
-            <a:ext cx="1664558" cy="369332"/>
+            <a:ext cx="1584152" cy="369332"/>
           </a:xfrm>
           <a:prstGeom prst="rect">
             <a:avLst/>
@@ -18239,7 +18428,16 @@
                   <a:schemeClr val="bg1"/>
                 </a:solidFill>
               </a:rPr>
-              <a:t>1.  Tokenizare</a:t>
+              <a:t>1.  </a:t>
+            </a:r>
+            <a:r>
+              <a:rPr lang="ro-RO" b="1" noProof="0" dirty="0">
+                <a:solidFill>
+                  <a:schemeClr val="bg1"/>
+                </a:solidFill>
+                <a:latin typeface="Corbel" panose="020B0503020204020204" pitchFamily="34" charset="0"/>
+              </a:rPr>
+              <a:t>Tokenizare</a:t>
             </a:r>
           </a:p>
         </p:txBody>
@@ -18259,7 +18457,7 @@
         <p:spPr>
           <a:xfrm>
             <a:off x="7171666" y="2724912"/>
-            <a:ext cx="3709029" cy="369332"/>
+            <a:ext cx="3413114" cy="369332"/>
           </a:xfrm>
           <a:prstGeom prst="rect">
             <a:avLst/>
@@ -18277,6 +18475,7 @@
                 <a:solidFill>
                   <a:schemeClr val="bg1"/>
                 </a:solidFill>
+                <a:latin typeface="Corbel" panose="020B0503020204020204" pitchFamily="34" charset="0"/>
               </a:rPr>
               <a:t>2.  Encoder - înțelegerea textului</a:t>
             </a:r>
@@ -18298,7 +18497,7 @@
         <p:spPr>
           <a:xfrm>
             <a:off x="1870833" y="4353186"/>
-            <a:ext cx="3887346" cy="369332"/>
+            <a:ext cx="3549370" cy="369332"/>
           </a:xfrm>
           <a:prstGeom prst="rect">
             <a:avLst/>
@@ -18317,7 +18516,16 @@
                   <a:schemeClr val="bg1"/>
                 </a:solidFill>
               </a:rPr>
-              <a:t>3.  Decoder – generarea traducerii</a:t>
+              <a:t>3.  </a:t>
+            </a:r>
+            <a:r>
+              <a:rPr lang="ro-RO" b="1" noProof="0" dirty="0">
+                <a:solidFill>
+                  <a:schemeClr val="bg1"/>
+                </a:solidFill>
+                <a:latin typeface="Corbel" panose="020B0503020204020204" pitchFamily="34" charset="0"/>
+              </a:rPr>
+              <a:t>Decoder – generarea traducerii</a:t>
             </a:r>
           </a:p>
         </p:txBody>
@@ -18360,6 +18568,7 @@
                 <a:solidFill>
                   <a:schemeClr val="bg1"/>
                 </a:solidFill>
+                <a:latin typeface="Corbel" panose="020B0503020204020204" pitchFamily="34" charset="0"/>
               </a:rPr>
               <a:t>    Textul introdus este împărțit în sub-unități (tokeni) și transformat în numere, deoarece modelul lucrează doar cu valori numerice, nu cu litere sau cuvinte.</a:t>
             </a:r>
@@ -18404,6 +18613,7 @@
                 <a:solidFill>
                   <a:schemeClr val="bg1"/>
                 </a:solidFill>
+                <a:latin typeface="Corbel" panose="020B0503020204020204" pitchFamily="34" charset="0"/>
               </a:rPr>
               <a:t>    Partea de encoder analizează propoziția sursă și construiește o reprezentare matematică a sensului ei, folosind mecanismul de </a:t>
             </a:r>
@@ -18412,6 +18622,7 @@
                 <a:solidFill>
                   <a:schemeClr val="bg1"/>
                 </a:solidFill>
+                <a:latin typeface="Corbel" panose="020B0503020204020204" pitchFamily="34" charset="0"/>
               </a:rPr>
               <a:t>self-attention</a:t>
             </a:r>
@@ -18420,6 +18631,7 @@
                 <a:solidFill>
                   <a:schemeClr val="bg1"/>
                 </a:solidFill>
+                <a:latin typeface="Corbel" panose="020B0503020204020204" pitchFamily="34" charset="0"/>
               </a:rPr>
               <a:t> pentru a surprinde relațiile dintre cuvinte.</a:t>
             </a:r>
@@ -18441,7 +18653,7 @@
         <p:spPr>
           <a:xfrm>
             <a:off x="1350198" y="4722518"/>
-            <a:ext cx="4928616" cy="1390958"/>
+            <a:ext cx="4928616" cy="1067343"/>
           </a:xfrm>
           <a:prstGeom prst="rect">
             <a:avLst/>
@@ -18464,8 +18676,9 @@
                 <a:solidFill>
                   <a:schemeClr val="bg1"/>
                 </a:solidFill>
-              </a:rPr>
-              <a:t>    Decoderul folosește această reprezentare și generează propoziția tradusă, cuvânt cu cuvânt, în limba țintă, ținând cont de contextul global.</a:t>
+                <a:latin typeface="Corbel" panose="020B0503020204020204" pitchFamily="34" charset="0"/>
+              </a:rPr>
+              <a:t>    Decoder-ul folosește această reprezentare și generează propoziția tradusă, cuvânt cu cuvânt, în limba țintă, ținând cont de contextul global.</a:t>
             </a:r>
           </a:p>
         </p:txBody>
@@ -19307,6 +19520,26 @@
 </file>
 
 <file path=customXml/item1.xml><?xml version="1.0" encoding="utf-8"?>
+<p:properties xmlns:p="http://schemas.microsoft.com/office/2006/metadata/properties" xmlns:xsi="http://www.w3.org/2001/XMLSchema-instance" xmlns:pc="http://schemas.microsoft.com/office/infopath/2007/PartnerControls">
+  <documentManagement>
+    <_ip_UnifiedCompliancePolicyUIAction xmlns="http://schemas.microsoft.com/sharepoint/v3" xsi:nil="true"/>
+    <Image xmlns="71af3243-3dd4-4a8d-8c0d-dd76da1f02a5">
+      <Url xsi:nil="true"/>
+      <Description xsi:nil="true"/>
+    </Image>
+    <Status xmlns="71af3243-3dd4-4a8d-8c0d-dd76da1f02a5">Not started</Status>
+    <Background xmlns="71af3243-3dd4-4a8d-8c0d-dd76da1f02a5">false</Background>
+    <_ip_UnifiedCompliancePolicyProperties xmlns="http://schemas.microsoft.com/sharepoint/v3" xsi:nil="true"/>
+    <ImageTagsTaxHTField xmlns="71af3243-3dd4-4a8d-8c0d-dd76da1f02a5">
+      <Terms xmlns="http://schemas.microsoft.com/office/infopath/2007/PartnerControls"/>
+    </ImageTagsTaxHTField>
+    <TaxCatchAll xmlns="230e9df3-be65-4c73-a93b-d1236ebd677e" xsi:nil="true"/>
+    <MediaServiceKeyPoints xmlns="71af3243-3dd4-4a8d-8c0d-dd76da1f02a5" xsi:nil="true"/>
+  </documentManagement>
+</p:properties>
+</file>
+
+<file path=customXml/item2.xml><?xml version="1.0" encoding="utf-8"?>
 <ct:contentTypeSchema xmlns:ct="http://schemas.microsoft.com/office/2006/metadata/contentType" xmlns:ma="http://schemas.microsoft.com/office/2006/metadata/properties/metaAttributes" ct:_="" ma:_="" ma:contentTypeName="Document" ma:contentTypeID="0x01010079F111ED35F8CC479449609E8A0923A6" ma:contentTypeVersion="28" ma:contentTypeDescription="Create a new document." ma:contentTypeScope="" ma:versionID="60f5a4f2d2b0abadcf532d48ebf9cb71">
   <xsd:schema xmlns:xsd="http://www.w3.org/2001/XMLSchema" xmlns:xs="http://www.w3.org/2001/XMLSchema" xmlns:p="http://schemas.microsoft.com/office/2006/metadata/properties" xmlns:ns1="http://schemas.microsoft.com/sharepoint/v3" xmlns:ns2="71af3243-3dd4-4a8d-8c0d-dd76da1f02a5" xmlns:ns3="16c05727-aa75-4e4a-9b5f-8a80a1165891" xmlns:ns4="230e9df3-be65-4c73-a93b-d1236ebd677e" targetNamespace="http://schemas.microsoft.com/office/2006/metadata/properties" ma:root="true" ma:fieldsID="7dd78129e6a1811f84807ad11c651531" ns1:_="" ns2:_="" ns3:_="" ns4:_="">
     <xsd:import namespace="http://schemas.microsoft.com/sharepoint/v3"/>
@@ -19618,26 +19851,6 @@
 </ct:contentTypeSchema>
 </file>
 
-<file path=customXml/item2.xml><?xml version="1.0" encoding="utf-8"?>
-<p:properties xmlns:p="http://schemas.microsoft.com/office/2006/metadata/properties" xmlns:xsi="http://www.w3.org/2001/XMLSchema-instance" xmlns:pc="http://schemas.microsoft.com/office/infopath/2007/PartnerControls">
-  <documentManagement>
-    <_ip_UnifiedCompliancePolicyUIAction xmlns="http://schemas.microsoft.com/sharepoint/v3" xsi:nil="true"/>
-    <Image xmlns="71af3243-3dd4-4a8d-8c0d-dd76da1f02a5">
-      <Url xsi:nil="true"/>
-      <Description xsi:nil="true"/>
-    </Image>
-    <Status xmlns="71af3243-3dd4-4a8d-8c0d-dd76da1f02a5">Not started</Status>
-    <Background xmlns="71af3243-3dd4-4a8d-8c0d-dd76da1f02a5">false</Background>
-    <_ip_UnifiedCompliancePolicyProperties xmlns="http://schemas.microsoft.com/sharepoint/v3" xsi:nil="true"/>
-    <ImageTagsTaxHTField xmlns="71af3243-3dd4-4a8d-8c0d-dd76da1f02a5">
-      <Terms xmlns="http://schemas.microsoft.com/office/infopath/2007/PartnerControls"/>
-    </ImageTagsTaxHTField>
-    <TaxCatchAll xmlns="230e9df3-be65-4c73-a93b-d1236ebd677e" xsi:nil="true"/>
-    <MediaServiceKeyPoints xmlns="71af3243-3dd4-4a8d-8c0d-dd76da1f02a5" xsi:nil="true"/>
-  </documentManagement>
-</p:properties>
-</file>
-
 <file path=customXml/item3.xml><?xml version="1.0" encoding="utf-8"?>
 <?mso-contentType ?>
 <FormTemplates xmlns="http://schemas.microsoft.com/sharepoint/v3/contenttype/forms">
@@ -19648,6 +19861,18 @@
 </file>
 
 <file path=customXml/itemProps1.xml><?xml version="1.0" encoding="utf-8"?>
+<ds:datastoreItem xmlns:ds="http://schemas.openxmlformats.org/officeDocument/2006/customXml" ds:itemID="{E305301E-11B3-4B9D-A588-21F3C9809371}">
+  <ds:schemaRefs>
+    <ds:schemaRef ds:uri="http://schemas.microsoft.com/office/2006/metadata/properties"/>
+    <ds:schemaRef ds:uri="http://schemas.microsoft.com/office/infopath/2007/PartnerControls"/>
+    <ds:schemaRef ds:uri="http://schemas.microsoft.com/sharepoint/v3"/>
+    <ds:schemaRef ds:uri="71af3243-3dd4-4a8d-8c0d-dd76da1f02a5"/>
+    <ds:schemaRef ds:uri="230e9df3-be65-4c73-a93b-d1236ebd677e"/>
+  </ds:schemaRefs>
+</ds:datastoreItem>
+</file>
+
+<file path=customXml/itemProps2.xml><?xml version="1.0" encoding="utf-8"?>
 <ds:datastoreItem xmlns:ds="http://schemas.openxmlformats.org/officeDocument/2006/customXml" ds:itemID="{C77B561B-3A65-4A22-9691-EB838E7F9B87}">
   <ds:schemaRefs>
     <ds:schemaRef ds:uri="http://schemas.microsoft.com/office/2006/metadata/contentType"/>
@@ -19668,18 +19893,6 @@
 </ds:datastoreItem>
 </file>
 
-<file path=customXml/itemProps2.xml><?xml version="1.0" encoding="utf-8"?>
-<ds:datastoreItem xmlns:ds="http://schemas.openxmlformats.org/officeDocument/2006/customXml" ds:itemID="{E305301E-11B3-4B9D-A588-21F3C9809371}">
-  <ds:schemaRefs>
-    <ds:schemaRef ds:uri="http://schemas.microsoft.com/office/2006/metadata/properties"/>
-    <ds:schemaRef ds:uri="http://schemas.microsoft.com/office/infopath/2007/PartnerControls"/>
-    <ds:schemaRef ds:uri="http://schemas.microsoft.com/sharepoint/v3"/>
-    <ds:schemaRef ds:uri="71af3243-3dd4-4a8d-8c0d-dd76da1f02a5"/>
-    <ds:schemaRef ds:uri="230e9df3-be65-4c73-a93b-d1236ebd677e"/>
-  </ds:schemaRefs>
-</ds:datastoreItem>
-</file>
-
 <file path=customXml/itemProps3.xml><?xml version="1.0" encoding="utf-8"?>
 <ds:datastoreItem xmlns:ds="http://schemas.openxmlformats.org/officeDocument/2006/customXml" ds:itemID="{44137456-21FC-4AE2-8A94-BF06CAF2EB9B}">
   <ds:schemaRefs>
